--- a/training/open_research/Basic repository setup for reproducible workflows.pptx
+++ b/training/open_research/Basic repository setup for reproducible workflows.pptx
@@ -7036,11 +7036,7 @@
           <a:p>
             <a:r>
               <a:rPr lang="en-US" dirty="0" smtClean="0"/>
-              <a:t>We’ll take a look at some examples now and discuss good or bad practices </a:t>
-            </a:r>
-            <a:r>
-              <a:rPr lang="en-US" dirty="0" smtClean="0"/>
-              <a:t>therein:</a:t>
+              <a:t>We’ll take a look at some examples now and discuss good or bad practices therein:</a:t>
             </a:r>
           </a:p>
           <a:p>
@@ -7662,7 +7658,7 @@
           <a:graphicData uri="http://schemas.openxmlformats.org/presentationml/2006/ole">
             <mc:AlternateContent xmlns:mc="http://schemas.openxmlformats.org/markup-compatibility/2006">
               <mc:Choice xmlns:v="urn:schemas-microsoft-com:vml" Requires="v">
-                <p:oleObj spid="_x0000_s1037" name="Presentation" r:id="rId3" imgW="6502908" imgH="4877062" progId="PowerPoint.Show.8">
+                <p:oleObj spid="_x0000_s1040" name="Presentation" r:id="rId3" imgW="6502908" imgH="4877062" progId="PowerPoint.Show.8">
                   <p:embed/>
                 </p:oleObj>
               </mc:Choice>
@@ -7772,11 +7768,13 @@
         <p:spPr>
           <a:xfrm>
             <a:off x="264622" y="769908"/>
-            <a:ext cx="6576753" cy="4351338"/>
+            <a:ext cx="6576753" cy="5040688"/>
           </a:xfrm>
         </p:spPr>
         <p:txBody>
-          <a:bodyPr/>
+          <a:bodyPr>
+            <a:normAutofit lnSpcReduction="10000"/>
+          </a:bodyPr>
           <a:lstStyle/>
           <a:p>
             <a:r>
@@ -7788,8 +7786,102 @@
             <a:pPr lvl="1"/>
             <a:r>
               <a:rPr lang="en-US" sz="2000" dirty="0"/>
-              <a:t>a document providing detailed instructions on how to use elements of the repository for end-to-end analysis, the hardware and software required, the process for submitting merge requests, and license</a:t>
-            </a:r>
+              <a:t>a document providing detailed instructions on how to use elements of the repository for end-to-end analysis, the hardware and software required, the process for submitting merge requests, and </a:t>
+            </a:r>
+            <a:r>
+              <a:rPr lang="en-US" sz="2000" dirty="0" smtClean="0"/>
+              <a:t>license</a:t>
+            </a:r>
+          </a:p>
+          <a:p>
+            <a:pPr marL="457200" lvl="1" indent="0">
+              <a:buNone/>
+            </a:pPr>
+            <a:endParaRPr lang="en-US" sz="2000" dirty="0"/>
+          </a:p>
+          <a:p>
+            <a:pPr marL="457200" lvl="1" indent="0">
+              <a:buNone/>
+            </a:pPr>
+            <a:r>
+              <a:rPr lang="en-US" sz="2000" dirty="0" smtClean="0"/>
+              <a:t>Should also include:</a:t>
+            </a:r>
+          </a:p>
+          <a:p>
+            <a:pPr lvl="1">
+              <a:buFontTx/>
+              <a:buChar char="-"/>
+            </a:pPr>
+            <a:r>
+              <a:rPr lang="en-US" sz="2000" dirty="0" smtClean="0"/>
+              <a:t>Project overview</a:t>
+            </a:r>
+          </a:p>
+          <a:p>
+            <a:pPr lvl="1">
+              <a:buFontTx/>
+              <a:buChar char="-"/>
+            </a:pPr>
+            <a:r>
+              <a:rPr lang="en-US" sz="2000" dirty="0" smtClean="0"/>
+              <a:t>Repo overview (i.e. description above)</a:t>
+            </a:r>
+          </a:p>
+          <a:p>
+            <a:pPr lvl="1">
+              <a:buFontTx/>
+              <a:buChar char="-"/>
+            </a:pPr>
+            <a:r>
+              <a:rPr lang="en-US" sz="2000" dirty="0" smtClean="0"/>
+              <a:t>Citations for datasets/derived code</a:t>
+            </a:r>
+          </a:p>
+          <a:p>
+            <a:pPr lvl="1">
+              <a:buFontTx/>
+              <a:buChar char="-"/>
+            </a:pPr>
+            <a:r>
+              <a:rPr lang="en-US" sz="2000" dirty="0" smtClean="0"/>
+              <a:t>Contact info for repo owner</a:t>
+            </a:r>
+          </a:p>
+          <a:p>
+            <a:pPr lvl="1">
+              <a:buFontTx/>
+              <a:buChar char="-"/>
+            </a:pPr>
+            <a:r>
+              <a:rPr lang="en-US" sz="2000" dirty="0" smtClean="0"/>
+              <a:t>Preferred repo citation</a:t>
+            </a:r>
+          </a:p>
+          <a:p>
+            <a:pPr lvl="1">
+              <a:buFontTx/>
+              <a:buChar char="-"/>
+            </a:pPr>
+            <a:r>
+              <a:rPr lang="en-US" sz="2000" dirty="0" smtClean="0"/>
+              <a:t>Change request policy</a:t>
+            </a:r>
+          </a:p>
+          <a:p>
+            <a:pPr lvl="1">
+              <a:buFontTx/>
+              <a:buChar char="-"/>
+            </a:pPr>
+            <a:r>
+              <a:rPr lang="en-US" sz="2000" dirty="0" smtClean="0"/>
+              <a:t>License (GNU general public license (GPL-3.0) or MIT licenses are common; these may be added directly </a:t>
+            </a:r>
+            <a:r>
+              <a:rPr lang="en-US" sz="2000" smtClean="0"/>
+              <a:t>through GitHub)</a:t>
+            </a:r>
+            <a:endParaRPr lang="en-US" sz="2000" dirty="0"/>
           </a:p>
         </p:txBody>
       </p:sp>

--- a/training/open_research/Basic repository setup for reproducible workflows.pptx
+++ b/training/open_research/Basic repository setup for reproducible workflows.pptx
@@ -3889,7 +3889,7 @@
         </p:nvSpPr>
         <p:spPr>
           <a:xfrm>
-            <a:off x="7697585" y="5113539"/>
+            <a:off x="7798560" y="5936557"/>
             <a:ext cx="4144879" cy="921443"/>
           </a:xfrm>
           <a:prstGeom prst="rect">
@@ -7658,7 +7658,7 @@
           <a:graphicData uri="http://schemas.openxmlformats.org/presentationml/2006/ole">
             <mc:AlternateContent xmlns:mc="http://schemas.openxmlformats.org/markup-compatibility/2006">
               <mc:Choice xmlns:v="urn:schemas-microsoft-com:vml" Requires="v">
-                <p:oleObj spid="_x0000_s1040" name="Presentation" r:id="rId3" imgW="6502908" imgH="4877062" progId="PowerPoint.Show.8">
+                <p:oleObj spid="_x0000_s1042" name="Presentation" r:id="rId3" imgW="6502908" imgH="4877062" progId="PowerPoint.Show.8">
                   <p:embed/>
                 </p:oleObj>
               </mc:Choice>
